--- a/Lab1/WeatherStationArchitecture-7D343425.pptx
+++ b/Lab1/WeatherStationArchitecture-7D343425.pptx
@@ -107,6 +107,11 @@
       </a:defRPr>
     </a:lvl9pPr>
   </p:defaultTextStyle>
+  <p:extLst>
+    <p:ext uri="{EFAFB233-063F-42B5-8137-9DF3F51BA10A}">
+      <p15:sldGuideLst xmlns:p15="http://schemas.microsoft.com/office/powerpoint/2012/main"/>
+    </p:ext>
+  </p:extLst>
 </p:presentation>
 </file>
 
@@ -192,7 +197,7 @@
           <a:p>
             <a:fld id="{C99A2DDC-F361-46C0-9E5F-6BF7F6F88E24}" type="datetimeFigureOut">
               <a:rPr lang="it-IT" smtClean="0"/>
-              <a:t>02/11/2019</a:t>
+              <a:t>04/11/2019</a:t>
             </a:fld>
             <a:endParaRPr lang="it-IT"/>
           </a:p>
@@ -1303,7 +1308,7 @@
           <a:p>
             <a:fld id="{63615552-887B-45F6-B150-B606B592F51E}" type="datetimeFigureOut">
               <a:rPr lang="it-IT" smtClean="0"/>
-              <a:t>02/11/2019</a:t>
+              <a:t>04/11/2019</a:t>
             </a:fld>
             <a:endParaRPr lang="it-IT"/>
           </a:p>
@@ -1503,7 +1508,7 @@
           <a:p>
             <a:fld id="{63615552-887B-45F6-B150-B606B592F51E}" type="datetimeFigureOut">
               <a:rPr lang="it-IT" smtClean="0"/>
-              <a:t>02/11/2019</a:t>
+              <a:t>04/11/2019</a:t>
             </a:fld>
             <a:endParaRPr lang="it-IT"/>
           </a:p>
@@ -1713,7 +1718,7 @@
           <a:p>
             <a:fld id="{63615552-887B-45F6-B150-B606B592F51E}" type="datetimeFigureOut">
               <a:rPr lang="it-IT" smtClean="0"/>
-              <a:t>02/11/2019</a:t>
+              <a:t>04/11/2019</a:t>
             </a:fld>
             <a:endParaRPr lang="it-IT"/>
           </a:p>
@@ -1913,7 +1918,7 @@
           <a:p>
             <a:fld id="{63615552-887B-45F6-B150-B606B592F51E}" type="datetimeFigureOut">
               <a:rPr lang="it-IT" smtClean="0"/>
-              <a:t>02/11/2019</a:t>
+              <a:t>04/11/2019</a:t>
             </a:fld>
             <a:endParaRPr lang="it-IT"/>
           </a:p>
@@ -2189,7 +2194,7 @@
           <a:p>
             <a:fld id="{63615552-887B-45F6-B150-B606B592F51E}" type="datetimeFigureOut">
               <a:rPr lang="it-IT" smtClean="0"/>
-              <a:t>02/11/2019</a:t>
+              <a:t>04/11/2019</a:t>
             </a:fld>
             <a:endParaRPr lang="it-IT"/>
           </a:p>
@@ -2457,7 +2462,7 @@
           <a:p>
             <a:fld id="{63615552-887B-45F6-B150-B606B592F51E}" type="datetimeFigureOut">
               <a:rPr lang="it-IT" smtClean="0"/>
-              <a:t>02/11/2019</a:t>
+              <a:t>04/11/2019</a:t>
             </a:fld>
             <a:endParaRPr lang="it-IT"/>
           </a:p>
@@ -2872,7 +2877,7 @@
           <a:p>
             <a:fld id="{63615552-887B-45F6-B150-B606B592F51E}" type="datetimeFigureOut">
               <a:rPr lang="it-IT" smtClean="0"/>
-              <a:t>02/11/2019</a:t>
+              <a:t>04/11/2019</a:t>
             </a:fld>
             <a:endParaRPr lang="it-IT"/>
           </a:p>
@@ -3014,7 +3019,7 @@
           <a:p>
             <a:fld id="{63615552-887B-45F6-B150-B606B592F51E}" type="datetimeFigureOut">
               <a:rPr lang="it-IT" smtClean="0"/>
-              <a:t>02/11/2019</a:t>
+              <a:t>04/11/2019</a:t>
             </a:fld>
             <a:endParaRPr lang="it-IT"/>
           </a:p>
@@ -3127,7 +3132,7 @@
           <a:p>
             <a:fld id="{63615552-887B-45F6-B150-B606B592F51E}" type="datetimeFigureOut">
               <a:rPr lang="it-IT" smtClean="0"/>
-              <a:t>02/11/2019</a:t>
+              <a:t>04/11/2019</a:t>
             </a:fld>
             <a:endParaRPr lang="it-IT"/>
           </a:p>
@@ -3440,7 +3445,7 @@
           <a:p>
             <a:fld id="{63615552-887B-45F6-B150-B606B592F51E}" type="datetimeFigureOut">
               <a:rPr lang="it-IT" smtClean="0"/>
-              <a:t>02/11/2019</a:t>
+              <a:t>04/11/2019</a:t>
             </a:fld>
             <a:endParaRPr lang="it-IT"/>
           </a:p>
@@ -3729,7 +3734,7 @@
           <a:p>
             <a:fld id="{63615552-887B-45F6-B150-B606B592F51E}" type="datetimeFigureOut">
               <a:rPr lang="it-IT" smtClean="0"/>
-              <a:t>02/11/2019</a:t>
+              <a:t>04/11/2019</a:t>
             </a:fld>
             <a:endParaRPr lang="it-IT"/>
           </a:p>
@@ -3972,7 +3977,7 @@
           <a:p>
             <a:fld id="{63615552-887B-45F6-B150-B606B592F51E}" type="datetimeFigureOut">
               <a:rPr lang="it-IT" smtClean="0"/>
-              <a:t>02/11/2019</a:t>
+              <a:t>04/11/2019</a:t>
             </a:fld>
             <a:endParaRPr lang="it-IT"/>
           </a:p>
@@ -4436,7 +4441,7 @@
           <a:lstStyle/>
           <a:p>
             <a:pPr algn="ctr"/>
-            <a:endParaRPr lang="it-IT" dirty="0"/>
+            <a:endParaRPr lang="it-IT" sz="1400" dirty="0"/>
           </a:p>
         </p:txBody>
       </p:sp>
@@ -4592,7 +4597,7 @@
           <a:lstStyle/>
           <a:p>
             <a:pPr algn="ctr"/>
-            <a:endParaRPr lang="it-IT"/>
+            <a:endParaRPr lang="it-IT" dirty="0"/>
           </a:p>
         </p:txBody>
       </p:sp>
@@ -4767,8 +4772,8 @@
         </p:nvSpPr>
         <p:spPr>
           <a:xfrm>
-            <a:off x="3578518" y="3555095"/>
-            <a:ext cx="1240173" cy="608202"/>
+            <a:off x="3511406" y="3394237"/>
+            <a:ext cx="1240173" cy="450277"/>
           </a:xfrm>
           <a:prstGeom prst="rect">
             <a:avLst/>
@@ -4800,7 +4805,7 @@
           <a:p>
             <a:pPr algn="ctr"/>
             <a:r>
-              <a:rPr lang="it-IT" dirty="0">
+              <a:rPr lang="it-IT" sz="1400" dirty="0">
                 <a:solidFill>
                   <a:schemeClr val="accent1"/>
                 </a:solidFill>
@@ -5063,7 +5068,7 @@
           <a:p>
             <a:pPr algn="ctr"/>
             <a:r>
-              <a:rPr lang="it-IT" dirty="0"/>
+              <a:rPr lang="it-IT" sz="1400" dirty="0"/>
               <a:t>Cold Path Store</a:t>
             </a:r>
           </a:p>
@@ -5370,8 +5375,8 @@
         </p:nvSpPr>
         <p:spPr>
           <a:xfrm>
-            <a:off x="5341937" y="3405580"/>
-            <a:ext cx="1240173" cy="608202"/>
+            <a:off x="5184771" y="3405580"/>
+            <a:ext cx="1545018" cy="608202"/>
           </a:xfrm>
           <a:prstGeom prst="rect">
             <a:avLst/>
@@ -5403,7 +5408,7 @@
           <a:p>
             <a:pPr algn="ctr"/>
             <a:r>
-              <a:rPr lang="it-IT" dirty="0">
+              <a:rPr lang="it-IT" sz="1400" dirty="0">
                 <a:solidFill>
                   <a:schemeClr val="accent1"/>
                 </a:solidFill>
@@ -5411,6 +5416,17 @@
               <a:t>Cloud Gateway</a:t>
             </a:r>
           </a:p>
+          <a:p>
+            <a:pPr algn="ctr"/>
+            <a:r>
+              <a:rPr lang="it-IT" sz="1400" dirty="0">
+                <a:solidFill>
+                  <a:schemeClr val="accent1"/>
+                </a:solidFill>
+              </a:rPr>
+              <a:t>(iothub7D343425)</a:t>
+            </a:r>
+          </a:p>
         </p:txBody>
       </p:sp>
       <p:sp>
@@ -5427,8 +5443,8 @@
         </p:nvSpPr>
         <p:spPr>
           <a:xfrm>
-            <a:off x="6813680" y="3406422"/>
-            <a:ext cx="1240173" cy="608202"/>
+            <a:off x="6679456" y="3398033"/>
+            <a:ext cx="1498801" cy="608202"/>
           </a:xfrm>
           <a:prstGeom prst="rect">
             <a:avLst/>
@@ -5460,12 +5476,23 @@
           <a:p>
             <a:pPr algn="ctr"/>
             <a:r>
-              <a:rPr lang="it-IT" dirty="0">
+              <a:rPr lang="it-IT" sz="1400" dirty="0">
                 <a:solidFill>
                   <a:schemeClr val="accent1"/>
                 </a:solidFill>
               </a:rPr>
               <a:t>Azure Stream Analytics</a:t>
+            </a:r>
+          </a:p>
+          <a:p>
+            <a:pPr algn="ctr"/>
+            <a:r>
+              <a:rPr lang="it-IT" sz="1400" dirty="0">
+                <a:solidFill>
+                  <a:schemeClr val="accent1"/>
+                </a:solidFill>
+              </a:rPr>
+              <a:t>(iotasa7D343425)</a:t>
             </a:r>
           </a:p>
         </p:txBody>
@@ -5525,8 +5552,8 @@
         </p:nvSpPr>
         <p:spPr>
           <a:xfrm>
-            <a:off x="10096644" y="2503765"/>
-            <a:ext cx="1240173" cy="608202"/>
+            <a:off x="10012754" y="2394707"/>
+            <a:ext cx="1456057" cy="1100015"/>
           </a:xfrm>
           <a:prstGeom prst="rect">
             <a:avLst/>
@@ -5558,12 +5585,23 @@
           <a:p>
             <a:pPr algn="ctr"/>
             <a:r>
-              <a:rPr lang="it-IT" dirty="0">
+              <a:rPr lang="it-IT" sz="1400" dirty="0">
                 <a:solidFill>
                   <a:schemeClr val="accent1"/>
                 </a:solidFill>
               </a:rPr>
               <a:t>Azure Data Lake Analytics</a:t>
+            </a:r>
+          </a:p>
+          <a:p>
+            <a:pPr algn="ctr"/>
+            <a:r>
+              <a:rPr lang="it-IT" sz="1400" dirty="0">
+                <a:solidFill>
+                  <a:schemeClr val="accent1"/>
+                </a:solidFill>
+              </a:rPr>
+              <a:t>(iotdla7d343425)</a:t>
             </a:r>
           </a:p>
         </p:txBody>
@@ -5664,8 +5702,8 @@
         </p:nvSpPr>
         <p:spPr>
           <a:xfrm>
-            <a:off x="10096643" y="4726951"/>
-            <a:ext cx="1240173" cy="608202"/>
+            <a:off x="9937252" y="4592727"/>
+            <a:ext cx="1597610" cy="608202"/>
           </a:xfrm>
           <a:prstGeom prst="rect">
             <a:avLst/>
@@ -5697,12 +5735,23 @@
           <a:p>
             <a:pPr algn="ctr"/>
             <a:r>
-              <a:rPr lang="it-IT" dirty="0">
+              <a:rPr lang="it-IT" sz="1400" dirty="0">
                 <a:solidFill>
                   <a:schemeClr val="accent1"/>
                 </a:solidFill>
               </a:rPr>
-              <a:t>Azure Functions</a:t>
+              <a:t>Azure Function</a:t>
+            </a:r>
+          </a:p>
+          <a:p>
+            <a:pPr algn="ctr"/>
+            <a:r>
+              <a:rPr lang="it-IT" sz="1400" dirty="0">
+                <a:solidFill>
+                  <a:schemeClr val="accent1"/>
+                </a:solidFill>
+              </a:rPr>
+              <a:t>(iotfunc7D343425)</a:t>
             </a:r>
           </a:p>
         </p:txBody>
@@ -5799,7 +5848,7 @@
           <p:spPr>
             <a:xfrm>
               <a:off x="4128974" y="4572087"/>
-              <a:ext cx="1546766" cy="646331"/>
+              <a:ext cx="1546766" cy="307777"/>
             </a:xfrm>
             <a:prstGeom prst="rect">
               <a:avLst/>
@@ -5815,12 +5864,12 @@
             <a:lstStyle/>
             <a:p>
               <a:r>
-                <a:rPr lang="it-IT" dirty="0">
+                <a:rPr lang="it-IT" sz="1400" dirty="0">
                   <a:solidFill>
                     <a:schemeClr val="bg1"/>
                   </a:solidFill>
                 </a:rPr>
-                <a:t>Desired Properties</a:t>
+                <a:t>Desired Props</a:t>
               </a:r>
             </a:p>
           </p:txBody>
@@ -5840,7 +5889,7 @@
           <p:spPr>
             <a:xfrm>
               <a:off x="4128974" y="5318999"/>
-              <a:ext cx="1546766" cy="646331"/>
+              <a:ext cx="1546766" cy="307777"/>
             </a:xfrm>
             <a:prstGeom prst="rect">
               <a:avLst/>
@@ -5856,12 +5905,12 @@
             <a:lstStyle/>
             <a:p>
               <a:r>
-                <a:rPr lang="it-IT" dirty="0">
+                <a:rPr lang="it-IT" sz="1400" dirty="0">
                   <a:solidFill>
                     <a:schemeClr val="bg1"/>
                   </a:solidFill>
                 </a:rPr>
-                <a:t>Reported Properties</a:t>
+                <a:t>Reported Props</a:t>
               </a:r>
             </a:p>
           </p:txBody>
@@ -5881,7 +5930,7 @@
           <p:spPr>
             <a:xfrm>
               <a:off x="4176699" y="4144695"/>
-              <a:ext cx="1499041" cy="369332"/>
+              <a:ext cx="1499041" cy="307777"/>
             </a:xfrm>
             <a:prstGeom prst="rect">
               <a:avLst/>
@@ -5895,7 +5944,7 @@
             <a:lstStyle/>
             <a:p>
               <a:r>
-                <a:rPr lang="it-IT" dirty="0">
+                <a:rPr lang="it-IT" sz="1400" dirty="0">
                   <a:solidFill>
                     <a:srgbClr val="4472C4"/>
                   </a:solidFill>
@@ -5920,8 +5969,8 @@
         </p:nvSpPr>
         <p:spPr>
           <a:xfrm>
-            <a:off x="544243" y="1661283"/>
-            <a:ext cx="2773804" cy="369332"/>
+            <a:off x="544243" y="1795507"/>
+            <a:ext cx="2773804" cy="307777"/>
           </a:xfrm>
           <a:prstGeom prst="rect">
             <a:avLst/>
@@ -5935,7 +5984,11 @@
           <a:lstStyle/>
           <a:p>
             <a:r>
-              <a:rPr lang="it-IT" dirty="0"/>
+              <a:rPr lang="it-IT" sz="1400" dirty="0">
+                <a:solidFill>
+                  <a:srgbClr val="4472C4"/>
+                </a:solidFill>
+              </a:rPr>
               <a:t>Weather Station Simulation</a:t>
             </a:r>
           </a:p>
@@ -5951,21 +6004,19 @@
             </a:extLst>
           </p:cNvPr>
           <p:cNvCxnSpPr>
-            <a:stCxn id="77" idx="0"/>
+            <a:cxnSpLocks/>
+            <a:stCxn id="3" idx="2"/>
             <a:endCxn id="86" idx="2"/>
           </p:cNvCxnSpPr>
           <p:nvPr/>
         </p:nvCxnSpPr>
         <p:spPr>
           <a:xfrm rot="16200000" flipH="1">
-            <a:off x="7055032" y="3785156"/>
-            <a:ext cx="1458755" cy="701287"/>
+            <a:off x="6997044" y="3727166"/>
+            <a:ext cx="1502243" cy="773777"/>
           </a:xfrm>
-          <a:prstGeom prst="bentConnector4">
-            <a:avLst>
-              <a:gd name="adj1" fmla="val -15671"/>
-              <a:gd name="adj2" fmla="val 905"/>
-            </a:avLst>
+          <a:prstGeom prst="bentConnector2">
+            <a:avLst/>
           </a:prstGeom>
           <a:ln>
             <a:tailEnd type="triangle"/>
@@ -6123,8 +6174,8 @@
         </p:nvSpPr>
         <p:spPr>
           <a:xfrm>
-            <a:off x="675598" y="524320"/>
-            <a:ext cx="3738457" cy="584775"/>
+            <a:off x="890240" y="524320"/>
+            <a:ext cx="3309173" cy="523220"/>
           </a:xfrm>
           <a:prstGeom prst="rect">
             <a:avLst/>
@@ -6138,12 +6189,228 @@
           <a:lstStyle/>
           <a:p>
             <a:r>
-              <a:rPr lang="it-IT" sz="3200" dirty="0">
+              <a:rPr lang="it-IT" sz="2800" dirty="0">
                 <a:solidFill>
                   <a:srgbClr val="4472C4"/>
                 </a:solidFill>
               </a:rPr>
               <a:t>Wind Farm Simulator</a:t>
+            </a:r>
+          </a:p>
+        </p:txBody>
+      </p:sp>
+      <p:sp>
+        <p:nvSpPr>
+          <p:cNvPr id="45" name="Cylinder 44">
+            <a:extLst>
+              <a:ext uri="{FF2B5EF4-FFF2-40B4-BE49-F238E27FC236}">
+                <a16:creationId xmlns:a16="http://schemas.microsoft.com/office/drawing/2014/main" id="{E58D8664-CD5F-448B-9AB8-9EF51C8A755F}"/>
+              </a:ext>
+            </a:extLst>
+          </p:cNvPr>
+          <p:cNvSpPr/>
+          <p:nvPr/>
+        </p:nvSpPr>
+        <p:spPr>
+          <a:xfrm>
+            <a:off x="8178257" y="1934023"/>
+            <a:ext cx="848569" cy="1041110"/>
+          </a:xfrm>
+          <a:prstGeom prst="can">
+            <a:avLst/>
+          </a:prstGeom>
+        </p:spPr>
+        <p:style>
+          <a:lnRef idx="2">
+            <a:schemeClr val="accent1">
+              <a:shade val="50000"/>
+            </a:schemeClr>
+          </a:lnRef>
+          <a:fillRef idx="1">
+            <a:schemeClr val="accent1"/>
+          </a:fillRef>
+          <a:effectRef idx="0">
+            <a:schemeClr val="accent1"/>
+          </a:effectRef>
+          <a:fontRef idx="minor">
+            <a:schemeClr val="lt1"/>
+          </a:fontRef>
+        </p:style>
+        <p:txBody>
+          <a:bodyPr rtlCol="0" anchor="ctr"/>
+          <a:lstStyle/>
+          <a:p>
+            <a:pPr algn="ctr"/>
+            <a:r>
+              <a:rPr lang="it-IT" sz="1400" dirty="0"/>
+              <a:t>Azure Storage</a:t>
+            </a:r>
+          </a:p>
+        </p:txBody>
+      </p:sp>
+      <p:cxnSp>
+        <p:nvCxnSpPr>
+          <p:cNvPr id="9" name="Connector: Elbow 8">
+            <a:extLst>
+              <a:ext uri="{FF2B5EF4-FFF2-40B4-BE49-F238E27FC236}">
+                <a16:creationId xmlns:a16="http://schemas.microsoft.com/office/drawing/2014/main" id="{4AD4E6DB-C8E2-4A39-AAE3-88BB7C629CF2}"/>
+              </a:ext>
+            </a:extLst>
+          </p:cNvPr>
+          <p:cNvCxnSpPr>
+            <a:cxnSpLocks/>
+            <a:endCxn id="45" idx="4"/>
+          </p:cNvCxnSpPr>
+          <p:nvPr/>
+        </p:nvCxnSpPr>
+        <p:spPr>
+          <a:xfrm rot="10800000" flipV="1">
+            <a:off x="9026826" y="2334628"/>
+            <a:ext cx="1689904" cy="119950"/>
+          </a:xfrm>
+          <a:prstGeom prst="bentConnector3">
+            <a:avLst/>
+          </a:prstGeom>
+          <a:ln>
+            <a:tailEnd type="triangle"/>
+          </a:ln>
+        </p:spPr>
+        <p:style>
+          <a:lnRef idx="1">
+            <a:schemeClr val="accent1"/>
+          </a:lnRef>
+          <a:fillRef idx="0">
+            <a:schemeClr val="accent1"/>
+          </a:fillRef>
+          <a:effectRef idx="0">
+            <a:schemeClr val="accent1"/>
+          </a:effectRef>
+          <a:fontRef idx="minor">
+            <a:schemeClr val="tx1"/>
+          </a:fontRef>
+        </p:style>
+      </p:cxnSp>
+      <p:sp>
+        <p:nvSpPr>
+          <p:cNvPr id="47" name="Rectangle 46">
+            <a:extLst>
+              <a:ext uri="{FF2B5EF4-FFF2-40B4-BE49-F238E27FC236}">
+                <a16:creationId xmlns:a16="http://schemas.microsoft.com/office/drawing/2014/main" id="{E6E838F2-C1C4-46EB-8902-EA7D2C746C3A}"/>
+              </a:ext>
+            </a:extLst>
+          </p:cNvPr>
+          <p:cNvSpPr/>
+          <p:nvPr/>
+        </p:nvSpPr>
+        <p:spPr>
+          <a:xfrm>
+            <a:off x="7967288" y="2840909"/>
+            <a:ext cx="1611871" cy="608202"/>
+          </a:xfrm>
+          <a:prstGeom prst="rect">
+            <a:avLst/>
+          </a:prstGeom>
+          <a:noFill/>
+          <a:ln>
+            <a:noFill/>
+          </a:ln>
+        </p:spPr>
+        <p:style>
+          <a:lnRef idx="2">
+            <a:schemeClr val="accent1">
+              <a:shade val="50000"/>
+            </a:schemeClr>
+          </a:lnRef>
+          <a:fillRef idx="1">
+            <a:schemeClr val="accent1"/>
+          </a:fillRef>
+          <a:effectRef idx="0">
+            <a:schemeClr val="accent1"/>
+          </a:effectRef>
+          <a:fontRef idx="minor">
+            <a:schemeClr val="lt1"/>
+          </a:fontRef>
+        </p:style>
+        <p:txBody>
+          <a:bodyPr rtlCol="0" anchor="ctr"/>
+          <a:lstStyle/>
+          <a:p>
+            <a:pPr algn="ctr"/>
+            <a:r>
+              <a:rPr lang="it-IT" sz="1400" dirty="0">
+                <a:solidFill>
+                  <a:schemeClr val="accent1"/>
+                </a:solidFill>
+              </a:rPr>
+              <a:t>(iotstore7d343425)</a:t>
+            </a:r>
+          </a:p>
+        </p:txBody>
+      </p:sp>
+      <p:sp>
+        <p:nvSpPr>
+          <p:cNvPr id="48" name="Rectangle 47">
+            <a:extLst>
+              <a:ext uri="{FF2B5EF4-FFF2-40B4-BE49-F238E27FC236}">
+                <a16:creationId xmlns:a16="http://schemas.microsoft.com/office/drawing/2014/main" id="{B9C0D039-CD3B-4457-9ED9-021FCCBB0A21}"/>
+              </a:ext>
+            </a:extLst>
+          </p:cNvPr>
+          <p:cNvSpPr/>
+          <p:nvPr/>
+        </p:nvSpPr>
+        <p:spPr>
+          <a:xfrm>
+            <a:off x="7799443" y="5464616"/>
+            <a:ext cx="1545018" cy="608202"/>
+          </a:xfrm>
+          <a:prstGeom prst="rect">
+            <a:avLst/>
+          </a:prstGeom>
+          <a:noFill/>
+          <a:ln>
+            <a:noFill/>
+          </a:ln>
+        </p:spPr>
+        <p:style>
+          <a:lnRef idx="2">
+            <a:schemeClr val="accent1">
+              <a:shade val="50000"/>
+            </a:schemeClr>
+          </a:lnRef>
+          <a:fillRef idx="1">
+            <a:schemeClr val="accent1"/>
+          </a:fillRef>
+          <a:effectRef idx="0">
+            <a:schemeClr val="accent1"/>
+          </a:effectRef>
+          <a:fontRef idx="minor">
+            <a:schemeClr val="lt1"/>
+          </a:fontRef>
+        </p:style>
+        <p:txBody>
+          <a:bodyPr rtlCol="0" anchor="ctr"/>
+          <a:lstStyle/>
+          <a:p>
+            <a:pPr algn="ctr"/>
+            <a:r>
+              <a:rPr lang="it-IT" sz="1400" dirty="0">
+                <a:solidFill>
+                  <a:schemeClr val="accent1"/>
+                </a:solidFill>
+              </a:rPr>
+              <a:t>Data Lake Storage Gen 1</a:t>
+            </a:r>
+          </a:p>
+          <a:p>
+            <a:pPr algn="ctr"/>
+            <a:r>
+              <a:rPr lang="it-IT" sz="1400" dirty="0">
+                <a:solidFill>
+                  <a:schemeClr val="accent1"/>
+                </a:solidFill>
+              </a:rPr>
+              <a:t>(iotdls7d3434255)</a:t>
             </a:r>
           </a:p>
         </p:txBody>

--- a/Lab1/WeatherStationArchitecture-7D343425.pptx
+++ b/Lab1/WeatherStationArchitecture-7D343425.pptx
@@ -197,7 +197,7 @@
           <a:p>
             <a:fld id="{C99A2DDC-F361-46C0-9E5F-6BF7F6F88E24}" type="datetimeFigureOut">
               <a:rPr lang="it-IT" smtClean="0"/>
-              <a:t>04/11/2019</a:t>
+              <a:t>10/11/2019</a:t>
             </a:fld>
             <a:endParaRPr lang="it-IT"/>
           </a:p>
@@ -1308,7 +1308,7 @@
           <a:p>
             <a:fld id="{63615552-887B-45F6-B150-B606B592F51E}" type="datetimeFigureOut">
               <a:rPr lang="it-IT" smtClean="0"/>
-              <a:t>04/11/2019</a:t>
+              <a:t>10/11/2019</a:t>
             </a:fld>
             <a:endParaRPr lang="it-IT"/>
           </a:p>
@@ -1508,7 +1508,7 @@
           <a:p>
             <a:fld id="{63615552-887B-45F6-B150-B606B592F51E}" type="datetimeFigureOut">
               <a:rPr lang="it-IT" smtClean="0"/>
-              <a:t>04/11/2019</a:t>
+              <a:t>10/11/2019</a:t>
             </a:fld>
             <a:endParaRPr lang="it-IT"/>
           </a:p>
@@ -1718,7 +1718,7 @@
           <a:p>
             <a:fld id="{63615552-887B-45F6-B150-B606B592F51E}" type="datetimeFigureOut">
               <a:rPr lang="it-IT" smtClean="0"/>
-              <a:t>04/11/2019</a:t>
+              <a:t>10/11/2019</a:t>
             </a:fld>
             <a:endParaRPr lang="it-IT"/>
           </a:p>
@@ -1918,7 +1918,7 @@
           <a:p>
             <a:fld id="{63615552-887B-45F6-B150-B606B592F51E}" type="datetimeFigureOut">
               <a:rPr lang="it-IT" smtClean="0"/>
-              <a:t>04/11/2019</a:t>
+              <a:t>10/11/2019</a:t>
             </a:fld>
             <a:endParaRPr lang="it-IT"/>
           </a:p>
@@ -2194,7 +2194,7 @@
           <a:p>
             <a:fld id="{63615552-887B-45F6-B150-B606B592F51E}" type="datetimeFigureOut">
               <a:rPr lang="it-IT" smtClean="0"/>
-              <a:t>04/11/2019</a:t>
+              <a:t>10/11/2019</a:t>
             </a:fld>
             <a:endParaRPr lang="it-IT"/>
           </a:p>
@@ -2462,7 +2462,7 @@
           <a:p>
             <a:fld id="{63615552-887B-45F6-B150-B606B592F51E}" type="datetimeFigureOut">
               <a:rPr lang="it-IT" smtClean="0"/>
-              <a:t>04/11/2019</a:t>
+              <a:t>10/11/2019</a:t>
             </a:fld>
             <a:endParaRPr lang="it-IT"/>
           </a:p>
@@ -2877,7 +2877,7 @@
           <a:p>
             <a:fld id="{63615552-887B-45F6-B150-B606B592F51E}" type="datetimeFigureOut">
               <a:rPr lang="it-IT" smtClean="0"/>
-              <a:t>04/11/2019</a:t>
+              <a:t>10/11/2019</a:t>
             </a:fld>
             <a:endParaRPr lang="it-IT"/>
           </a:p>
@@ -3019,7 +3019,7 @@
           <a:p>
             <a:fld id="{63615552-887B-45F6-B150-B606B592F51E}" type="datetimeFigureOut">
               <a:rPr lang="it-IT" smtClean="0"/>
-              <a:t>04/11/2019</a:t>
+              <a:t>10/11/2019</a:t>
             </a:fld>
             <a:endParaRPr lang="it-IT"/>
           </a:p>
@@ -3132,7 +3132,7 @@
           <a:p>
             <a:fld id="{63615552-887B-45F6-B150-B606B592F51E}" type="datetimeFigureOut">
               <a:rPr lang="it-IT" smtClean="0"/>
-              <a:t>04/11/2019</a:t>
+              <a:t>10/11/2019</a:t>
             </a:fld>
             <a:endParaRPr lang="it-IT"/>
           </a:p>
@@ -3445,7 +3445,7 @@
           <a:p>
             <a:fld id="{63615552-887B-45F6-B150-B606B592F51E}" type="datetimeFigureOut">
               <a:rPr lang="it-IT" smtClean="0"/>
-              <a:t>04/11/2019</a:t>
+              <a:t>10/11/2019</a:t>
             </a:fld>
             <a:endParaRPr lang="it-IT"/>
           </a:p>
@@ -3734,7 +3734,7 @@
           <a:p>
             <a:fld id="{63615552-887B-45F6-B150-B606B592F51E}" type="datetimeFigureOut">
               <a:rPr lang="it-IT" smtClean="0"/>
-              <a:t>04/11/2019</a:t>
+              <a:t>10/11/2019</a:t>
             </a:fld>
             <a:endParaRPr lang="it-IT"/>
           </a:p>
@@ -3977,7 +3977,7 @@
           <a:p>
             <a:fld id="{63615552-887B-45F6-B150-B606B592F51E}" type="datetimeFigureOut">
               <a:rPr lang="it-IT" smtClean="0"/>
-              <a:t>04/11/2019</a:t>
+              <a:t>10/11/2019</a:t>
             </a:fld>
             <a:endParaRPr lang="it-IT"/>
           </a:p>
@@ -6259,16 +6259,17 @@
           </p:cNvPr>
           <p:cNvCxnSpPr>
             <a:cxnSpLocks/>
+            <a:stCxn id="34" idx="0"/>
             <a:endCxn id="45" idx="4"/>
           </p:cNvCxnSpPr>
           <p:nvPr/>
         </p:nvCxnSpPr>
         <p:spPr>
-          <a:xfrm rot="10800000" flipV="1">
-            <a:off x="9026826" y="2334628"/>
-            <a:ext cx="1689904" cy="119950"/>
+          <a:xfrm rot="16200000" flipV="1">
+            <a:off x="9221908" y="2259496"/>
+            <a:ext cx="1299740" cy="1689903"/>
           </a:xfrm>
-          <a:prstGeom prst="bentConnector3">
+          <a:prstGeom prst="bentConnector2">
             <a:avLst/>
           </a:prstGeom>
           <a:ln>
@@ -6410,7 +6411,7 @@
                   <a:schemeClr val="accent1"/>
                 </a:solidFill>
               </a:rPr>
-              <a:t>(iotdls7d3434255)</a:t>
+              <a:t>(iotdls7d343425)</a:t>
             </a:r>
           </a:p>
         </p:txBody>

--- a/Lab1/WeatherStationArchitecture-7D343425.pptx
+++ b/Lab1/WeatherStationArchitecture-7D343425.pptx
@@ -981,7 +981,19 @@
               <a:rPr lang="it-IT" dirty="0">
                 <a:latin typeface="Century Gothic" panose="020B0502020202020204" pitchFamily="34" charset="0"/>
               </a:rPr>
-              <a:t>Any server side cole will be written using C# and .NET</a:t>
+              <a:t>Any server </a:t>
+            </a:r>
+            <a:r>
+              <a:rPr lang="it-IT">
+                <a:latin typeface="Century Gothic" panose="020B0502020202020204" pitchFamily="34" charset="0"/>
+              </a:rPr>
+              <a:t>side code </a:t>
+            </a:r>
+            <a:r>
+              <a:rPr lang="it-IT" dirty="0">
+                <a:latin typeface="Century Gothic" panose="020B0502020202020204" pitchFamily="34" charset="0"/>
+              </a:rPr>
+              <a:t>will be written using C# and .NET</a:t>
             </a:r>
           </a:p>
           <a:p>

--- a/Lab1/WeatherStationArchitecture-7D343425.pptx
+++ b/Lab1/WeatherStationArchitecture-7D343425.pptx
@@ -197,7 +197,7 @@
           <a:p>
             <a:fld id="{C99A2DDC-F361-46C0-9E5F-6BF7F6F88E24}" type="datetimeFigureOut">
               <a:rPr lang="it-IT" smtClean="0"/>
-              <a:t>10/11/2019</a:t>
+              <a:t>11/11/2019</a:t>
             </a:fld>
             <a:endParaRPr lang="it-IT"/>
           </a:p>
@@ -529,552 +529,6 @@
             </a:r>
           </a:p>
           <a:p>
-            <a:pPr marL="628650" lvl="1" indent="-171450">
-              <a:buFont typeface="Arial" panose="020B0604020202020204" pitchFamily="34" charset="0"/>
-              <a:buChar char="•"/>
-            </a:pPr>
-            <a:r>
-              <a:rPr lang="it-IT" dirty="0">
-                <a:latin typeface="Century Gothic" panose="020B0502020202020204" pitchFamily="34" charset="0"/>
-              </a:rPr>
-              <a:t>Requirements</a:t>
-            </a:r>
-          </a:p>
-          <a:p>
-            <a:pPr marL="1085850" lvl="2" indent="-171450">
-              <a:buFont typeface="Arial" panose="020B0604020202020204" pitchFamily="34" charset="0"/>
-              <a:buChar char="•"/>
-            </a:pPr>
-            <a:r>
-              <a:rPr lang="it-IT" dirty="0">
-                <a:latin typeface="Century Gothic" panose="020B0502020202020204" pitchFamily="34" charset="0"/>
-              </a:rPr>
-              <a:t>The wather station will leverage a number of sensors to provide the telemetry information and will connect directly (and securely) to our WiFi network that provides access to the Internet.</a:t>
-            </a:r>
-          </a:p>
-          <a:p>
-            <a:pPr marL="1085850" lvl="2" indent="-171450">
-              <a:buFont typeface="Arial" panose="020B0604020202020204" pitchFamily="34" charset="0"/>
-              <a:buChar char="•"/>
-            </a:pPr>
-            <a:r>
-              <a:rPr lang="it-IT" dirty="0">
-                <a:latin typeface="Century Gothic" panose="020B0502020202020204" pitchFamily="34" charset="0"/>
-              </a:rPr>
-              <a:t>The weather station will provide the following telemetry data:</a:t>
-            </a:r>
-          </a:p>
-          <a:p>
-            <a:pPr marL="1543050" lvl="3" indent="-171450">
-              <a:buFont typeface="Arial" panose="020B0604020202020204" pitchFamily="34" charset="0"/>
-              <a:buChar char="•"/>
-            </a:pPr>
-            <a:r>
-              <a:rPr lang="it-IT" dirty="0">
-                <a:latin typeface="Century Gothic" panose="020B0502020202020204" pitchFamily="34" charset="0"/>
-              </a:rPr>
-              <a:t>Temperature in Celsius (C)</a:t>
-            </a:r>
-          </a:p>
-          <a:p>
-            <a:pPr marL="1543050" lvl="3" indent="-171450">
-              <a:buFont typeface="Arial" panose="020B0604020202020204" pitchFamily="34" charset="0"/>
-              <a:buChar char="•"/>
-            </a:pPr>
-            <a:r>
-              <a:rPr lang="it-IT" dirty="0">
-                <a:latin typeface="Century Gothic" panose="020B0502020202020204" pitchFamily="34" charset="0"/>
-              </a:rPr>
-              <a:t>Humidity in relative Humidity (rH)</a:t>
-            </a:r>
-          </a:p>
-          <a:p>
-            <a:pPr marL="1543050" lvl="3" indent="-171450">
-              <a:buFont typeface="Arial" panose="020B0604020202020204" pitchFamily="34" charset="0"/>
-              <a:buChar char="•"/>
-            </a:pPr>
-            <a:r>
-              <a:rPr lang="it-IT" dirty="0">
-                <a:latin typeface="Century Gothic" panose="020B0502020202020204" pitchFamily="34" charset="0"/>
-              </a:rPr>
-              <a:t>Pressure in hectopascal (hPa)</a:t>
-            </a:r>
-          </a:p>
-          <a:p>
-            <a:pPr marL="1543050" lvl="3" indent="-171450">
-              <a:buFont typeface="Arial" panose="020B0604020202020204" pitchFamily="34" charset="0"/>
-              <a:buChar char="•"/>
-            </a:pPr>
-            <a:r>
-              <a:rPr lang="it-IT" dirty="0">
-                <a:latin typeface="Century Gothic" panose="020B0502020202020204" pitchFamily="34" charset="0"/>
-              </a:rPr>
-              <a:t>Wind Speed in meters per second (m/s)</a:t>
-            </a:r>
-          </a:p>
-          <a:p>
-            <a:pPr marL="1543050" lvl="3" indent="-171450">
-              <a:buFont typeface="Arial" panose="020B0604020202020204" pitchFamily="34" charset="0"/>
-              <a:buChar char="•"/>
-            </a:pPr>
-            <a:r>
-              <a:rPr lang="it-IT" dirty="0">
-                <a:latin typeface="Century Gothic" panose="020B0502020202020204" pitchFamily="34" charset="0"/>
-              </a:rPr>
-              <a:t>Wind Direction in degrees</a:t>
-            </a:r>
-          </a:p>
-          <a:p>
-            <a:pPr marL="1085850" lvl="2" indent="-171450">
-              <a:buFont typeface="Arial" panose="020B0604020202020204" pitchFamily="34" charset="0"/>
-              <a:buChar char="•"/>
-            </a:pPr>
-            <a:r>
-              <a:rPr lang="it-IT" dirty="0">
-                <a:latin typeface="Century Gothic" panose="020B0502020202020204" pitchFamily="34" charset="0"/>
-              </a:rPr>
-              <a:t>Telemetry will be sent in JSON format; the field that identify the sensor telemetry data use the number data type, and the remaining fields (metadata) contain string data.</a:t>
-            </a:r>
-          </a:p>
-          <a:p>
-            <a:pPr marL="1085850" lvl="2" indent="-171450">
-              <a:buFont typeface="Arial" panose="020B0604020202020204" pitchFamily="34" charset="0"/>
-              <a:buChar char="•"/>
-            </a:pPr>
-            <a:r>
-              <a:rPr lang="it-IT" dirty="0">
-                <a:latin typeface="Century Gothic" panose="020B0502020202020204" pitchFamily="34" charset="0"/>
-              </a:rPr>
-              <a:t>The solution must support adjusting the frequency in response to conditions detected in the cloud.</a:t>
-            </a:r>
-          </a:p>
-          <a:p>
-            <a:pPr marL="1085850" lvl="2" indent="-171450">
-              <a:buFont typeface="Arial" panose="020B0604020202020204" pitchFamily="34" charset="0"/>
-              <a:buChar char="•"/>
-            </a:pPr>
-            <a:r>
-              <a:rPr lang="it-IT" dirty="0">
-                <a:latin typeface="Century Gothic" panose="020B0502020202020204" pitchFamily="34" charset="0"/>
-              </a:rPr>
-              <a:t>Weather Station will be simulated using an MXChip Devkit AZ3166 Devkit </a:t>
-            </a:r>
-          </a:p>
-          <a:p>
-            <a:pPr marL="1085850" lvl="2" indent="-171450">
-              <a:buFont typeface="Arial" panose="020B0604020202020204" pitchFamily="34" charset="0"/>
-              <a:buChar char="•"/>
-            </a:pPr>
-            <a:r>
-              <a:rPr lang="it-IT" dirty="0">
-                <a:latin typeface="Century Gothic" panose="020B0502020202020204" pitchFamily="34" charset="0"/>
-              </a:rPr>
-              <a:t>The weather station application will be written in C/C++</a:t>
-            </a:r>
-          </a:p>
-          <a:p>
-            <a:pPr marL="1085850" lvl="2" indent="-171450">
-              <a:buFont typeface="Arial" panose="020B0604020202020204" pitchFamily="34" charset="0"/>
-              <a:buChar char="•"/>
-            </a:pPr>
-            <a:r>
-              <a:rPr lang="it-IT" dirty="0">
-                <a:latin typeface="Century Gothic" panose="020B0502020202020204" pitchFamily="34" charset="0"/>
-              </a:rPr>
-              <a:t>The MXChip devkit will use on-board LEDs as follow</a:t>
-            </a:r>
-          </a:p>
-          <a:p>
-            <a:pPr marL="1543050" lvl="3" indent="-171450">
-              <a:buFont typeface="Arial" panose="020B0604020202020204" pitchFamily="34" charset="0"/>
-              <a:buChar char="•"/>
-            </a:pPr>
-            <a:r>
-              <a:rPr lang="it-IT" dirty="0">
-                <a:latin typeface="Century Gothic" panose="020B0502020202020204" pitchFamily="34" charset="0"/>
-              </a:rPr>
-              <a:t>The WiFi LED will illuminate upon connection to the local WiFi</a:t>
-            </a:r>
-          </a:p>
-          <a:p>
-            <a:pPr marL="1543050" lvl="3" indent="-171450">
-              <a:buFont typeface="Arial" panose="020B0604020202020204" pitchFamily="34" charset="0"/>
-              <a:buChar char="•"/>
-            </a:pPr>
-            <a:r>
-              <a:rPr lang="it-IT" dirty="0">
-                <a:latin typeface="Century Gothic" panose="020B0502020202020204" pitchFamily="34" charset="0"/>
-              </a:rPr>
-              <a:t>The Azure LED will illuminate on connection to the cloud</a:t>
-            </a:r>
-          </a:p>
-          <a:p>
-            <a:pPr marL="1543050" lvl="3" indent="-171450">
-              <a:buFont typeface="Arial" panose="020B0604020202020204" pitchFamily="34" charset="0"/>
-              <a:buChar char="•"/>
-            </a:pPr>
-            <a:r>
-              <a:rPr lang="it-IT" dirty="0">
-                <a:latin typeface="Century Gothic" panose="020B0502020202020204" pitchFamily="34" charset="0"/>
-              </a:rPr>
-              <a:t>The User LED will flash whenever data is sent to the cloud</a:t>
-            </a:r>
-          </a:p>
-          <a:p>
-            <a:pPr marL="1543050" lvl="3" indent="-171450">
-              <a:buFont typeface="Arial" panose="020B0604020202020204" pitchFamily="34" charset="0"/>
-              <a:buChar char="•"/>
-            </a:pPr>
-            <a:r>
-              <a:rPr lang="it-IT" dirty="0">
-                <a:latin typeface="Century Gothic" panose="020B0502020202020204" pitchFamily="34" charset="0"/>
-              </a:rPr>
-              <a:t>The RGB LED color will change in response to messages from the cloud changing the Wind Speed Status:</a:t>
-            </a:r>
-          </a:p>
-          <a:p>
-            <a:pPr marL="2000250" lvl="4" indent="-171450">
-              <a:buFont typeface="Arial" panose="020B0604020202020204" pitchFamily="34" charset="0"/>
-              <a:buChar char="•"/>
-            </a:pPr>
-            <a:r>
-              <a:rPr lang="it-IT" dirty="0">
-                <a:latin typeface="Century Gothic" panose="020B0502020202020204" pitchFamily="34" charset="0"/>
-              </a:rPr>
-              <a:t>Green – Wind Speed is within Normal Conditions</a:t>
-            </a:r>
-          </a:p>
-          <a:p>
-            <a:pPr marL="2000250" lvl="4" indent="-171450">
-              <a:buFont typeface="Arial" panose="020B0604020202020204" pitchFamily="34" charset="0"/>
-              <a:buChar char="•"/>
-            </a:pPr>
-            <a:r>
-              <a:rPr lang="it-IT" dirty="0">
-                <a:latin typeface="Century Gothic" panose="020B0502020202020204" pitchFamily="34" charset="0"/>
-              </a:rPr>
-              <a:t>Orange – Wind Speed is within Strong Conditions</a:t>
-            </a:r>
-          </a:p>
-          <a:p>
-            <a:pPr marL="2000250" lvl="4" indent="-171450">
-              <a:buFont typeface="Arial" panose="020B0604020202020204" pitchFamily="34" charset="0"/>
-              <a:buChar char="•"/>
-            </a:pPr>
-            <a:r>
-              <a:rPr lang="it-IT" dirty="0">
-                <a:latin typeface="Century Gothic" panose="020B0502020202020204" pitchFamily="34" charset="0"/>
-              </a:rPr>
-              <a:t>Red – Wind Speed is within Dangerous Conditions</a:t>
-            </a:r>
-          </a:p>
-          <a:p>
-            <a:pPr marL="1085850" lvl="2" indent="-171450">
-              <a:buFont typeface="Arial" panose="020B0604020202020204" pitchFamily="34" charset="0"/>
-              <a:buChar char="•"/>
-            </a:pPr>
-            <a:r>
-              <a:rPr lang="it-IT" dirty="0">
-                <a:latin typeface="Century Gothic" panose="020B0502020202020204" pitchFamily="34" charset="0"/>
-              </a:rPr>
-              <a:t>The MXChip OLED display will show the following information:</a:t>
-            </a:r>
-          </a:p>
-          <a:p>
-            <a:pPr marL="1543050" lvl="3" indent="-171450">
-              <a:buFont typeface="Arial" panose="020B0604020202020204" pitchFamily="34" charset="0"/>
-              <a:buChar char="•"/>
-            </a:pPr>
-            <a:r>
-              <a:rPr lang="it-IT" dirty="0">
-                <a:latin typeface="Century Gothic" panose="020B0502020202020204" pitchFamily="34" charset="0"/>
-              </a:rPr>
-              <a:t>Wind Direction in degrees</a:t>
-            </a:r>
-          </a:p>
-          <a:p>
-            <a:pPr marL="1543050" lvl="3" indent="-171450">
-              <a:buFont typeface="Arial" panose="020B0604020202020204" pitchFamily="34" charset="0"/>
-              <a:buChar char="•"/>
-            </a:pPr>
-            <a:r>
-              <a:rPr lang="it-IT" dirty="0">
-                <a:latin typeface="Century Gothic" panose="020B0502020202020204" pitchFamily="34" charset="0"/>
-              </a:rPr>
-              <a:t>Wind Direction as text: NORTH, NORTH-EAST, EAST, etc.</a:t>
-            </a:r>
-          </a:p>
-          <a:p>
-            <a:pPr marL="1543050" lvl="3" indent="-171450">
-              <a:buFont typeface="Arial" panose="020B0604020202020204" pitchFamily="34" charset="0"/>
-              <a:buChar char="•"/>
-            </a:pPr>
-            <a:r>
-              <a:rPr lang="it-IT" dirty="0">
-                <a:latin typeface="Century Gothic" panose="020B0502020202020204" pitchFamily="34" charset="0"/>
-              </a:rPr>
-              <a:t>Wind Speed in m/s</a:t>
-            </a:r>
-          </a:p>
-          <a:p>
-            <a:pPr marL="171450" indent="-171450">
-              <a:buFont typeface="Arial" panose="020B0604020202020204" pitchFamily="34" charset="0"/>
-              <a:buChar char="•"/>
-            </a:pPr>
-            <a:r>
-              <a:rPr lang="it-IT" dirty="0">
-                <a:latin typeface="Century Gothic" panose="020B0502020202020204" pitchFamily="34" charset="0"/>
-              </a:rPr>
-              <a:t>Cloud Gateway (IoT Hub)</a:t>
-            </a:r>
-          </a:p>
-          <a:p>
-            <a:pPr marL="628650" lvl="1" indent="-171450">
-              <a:buFont typeface="Arial" panose="020B0604020202020204" pitchFamily="34" charset="0"/>
-              <a:buChar char="•"/>
-            </a:pPr>
-            <a:r>
-              <a:rPr lang="it-IT" dirty="0">
-                <a:latin typeface="Century Gothic" panose="020B0502020202020204" pitchFamily="34" charset="0"/>
-              </a:rPr>
-              <a:t>Requirements</a:t>
-            </a:r>
-          </a:p>
-          <a:p>
-            <a:pPr marL="1085850" lvl="2" indent="-171450">
-              <a:buFont typeface="Arial" panose="020B0604020202020204" pitchFamily="34" charset="0"/>
-              <a:buChar char="•"/>
-            </a:pPr>
-            <a:r>
-              <a:rPr lang="it-IT" dirty="0">
-                <a:latin typeface="Century Gothic" panose="020B0502020202020204" pitchFamily="34" charset="0"/>
-              </a:rPr>
-              <a:t>The cloud will communicate with the Weather Station via changes made to the Device Twin. The device twin will have the following desired properties:</a:t>
-            </a:r>
-          </a:p>
-          <a:p>
-            <a:pPr marL="1543050" lvl="3" indent="-171450">
-              <a:buFont typeface="Arial" panose="020B0604020202020204" pitchFamily="34" charset="0"/>
-              <a:buChar char="•"/>
-            </a:pPr>
-            <a:r>
-              <a:rPr lang="it-IT" dirty="0">
-                <a:latin typeface="Century Gothic" panose="020B0502020202020204" pitchFamily="34" charset="0"/>
-              </a:rPr>
-              <a:t>windSpeedStatus – string value: Normal | Strong | Dangerous</a:t>
-            </a:r>
-          </a:p>
-          <a:p>
-            <a:pPr marL="1543050" lvl="3" indent="-171450">
-              <a:buFont typeface="Arial" panose="020B0604020202020204" pitchFamily="34" charset="0"/>
-              <a:buChar char="•"/>
-            </a:pPr>
-            <a:r>
-              <a:rPr lang="it-IT" dirty="0">
-                <a:latin typeface="Century Gothic" panose="020B0502020202020204" pitchFamily="34" charset="0"/>
-              </a:rPr>
-              <a:t>updateFrequencySeconds – number value that controls how often the device sends telemetry to the cloud.</a:t>
-            </a:r>
-          </a:p>
-          <a:p>
-            <a:pPr marL="171450" indent="-171450">
-              <a:buFont typeface="Arial" panose="020B0604020202020204" pitchFamily="34" charset="0"/>
-              <a:buChar char="•"/>
-            </a:pPr>
-            <a:r>
-              <a:rPr lang="it-IT" dirty="0">
-                <a:latin typeface="Century Gothic" panose="020B0502020202020204" pitchFamily="34" charset="0"/>
-              </a:rPr>
-              <a:t>Stream Processors</a:t>
-            </a:r>
-          </a:p>
-          <a:p>
-            <a:pPr marL="628650" lvl="1" indent="-171450">
-              <a:buFont typeface="Arial" panose="020B0604020202020204" pitchFamily="34" charset="0"/>
-              <a:buChar char="•"/>
-            </a:pPr>
-            <a:r>
-              <a:rPr lang="it-IT" dirty="0">
-                <a:latin typeface="Century Gothic" panose="020B0502020202020204" pitchFamily="34" charset="0"/>
-              </a:rPr>
-              <a:t>Requirements</a:t>
-            </a:r>
-          </a:p>
-          <a:p>
-            <a:pPr marL="1085850" lvl="2" indent="-171450">
-              <a:buFont typeface="Arial" panose="020B0604020202020204" pitchFamily="34" charset="0"/>
-              <a:buChar char="•"/>
-            </a:pPr>
-            <a:r>
-              <a:rPr lang="it-IT" dirty="0">
-                <a:latin typeface="Century Gothic" panose="020B0502020202020204" pitchFamily="34" charset="0"/>
-              </a:rPr>
-              <a:t>The device telemetry will be stored in the cloud for long-term use</a:t>
-            </a:r>
-          </a:p>
-          <a:p>
-            <a:pPr marL="1085850" lvl="2" indent="-171450">
-              <a:buFont typeface="Arial" panose="020B0604020202020204" pitchFamily="34" charset="0"/>
-              <a:buChar char="•"/>
-            </a:pPr>
-            <a:r>
-              <a:rPr lang="it-IT" dirty="0">
-                <a:latin typeface="Century Gothic" panose="020B0502020202020204" pitchFamily="34" charset="0"/>
-              </a:rPr>
-              <a:t>Azure Streaming Analytics will be used to process incoming data and direct it to the appropriate output.</a:t>
-            </a:r>
-          </a:p>
-          <a:p>
-            <a:pPr marL="171450" indent="-171450">
-              <a:buFont typeface="Arial" panose="020B0604020202020204" pitchFamily="34" charset="0"/>
-              <a:buChar char="•"/>
-            </a:pPr>
-            <a:r>
-              <a:rPr lang="it-IT" dirty="0">
-                <a:latin typeface="Century Gothic" panose="020B0502020202020204" pitchFamily="34" charset="0"/>
-              </a:rPr>
-              <a:t>Business Integration Processes</a:t>
-            </a:r>
-          </a:p>
-          <a:p>
-            <a:pPr marL="628650" lvl="1" indent="-171450">
-              <a:buFont typeface="Arial" panose="020B0604020202020204" pitchFamily="34" charset="0"/>
-              <a:buChar char="•"/>
-            </a:pPr>
-            <a:r>
-              <a:rPr lang="it-IT" dirty="0">
-                <a:latin typeface="Century Gothic" panose="020B0502020202020204" pitchFamily="34" charset="0"/>
-              </a:rPr>
-              <a:t>Requirements</a:t>
-            </a:r>
-          </a:p>
-          <a:p>
-            <a:pPr marL="1085850" lvl="2" indent="-171450">
-              <a:buFont typeface="Arial" panose="020B0604020202020204" pitchFamily="34" charset="0"/>
-              <a:buChar char="•"/>
-            </a:pPr>
-            <a:r>
-              <a:rPr lang="it-IT" dirty="0">
-                <a:latin typeface="Century Gothic" panose="020B0502020202020204" pitchFamily="34" charset="0"/>
-              </a:rPr>
-              <a:t>The cloud will communicate with the Weather Station via changes made to the Device Twin</a:t>
-            </a:r>
-          </a:p>
-          <a:p>
-            <a:pPr marL="1085850" lvl="2" indent="-171450">
-              <a:buFont typeface="Arial" panose="020B0604020202020204" pitchFamily="34" charset="0"/>
-              <a:buChar char="•"/>
-            </a:pPr>
-            <a:r>
-              <a:rPr lang="it-IT" dirty="0">
-                <a:latin typeface="Century Gothic" panose="020B0502020202020204" pitchFamily="34" charset="0"/>
-              </a:rPr>
-              <a:t>An Azure Function connected to Azure Streaming Analytics will be used to update the device twin in accordance with the requirements</a:t>
-            </a:r>
-          </a:p>
-          <a:p>
-            <a:pPr marL="1085850" lvl="2" indent="-171450">
-              <a:buFont typeface="Arial" panose="020B0604020202020204" pitchFamily="34" charset="0"/>
-              <a:buChar char="•"/>
-            </a:pPr>
-            <a:r>
-              <a:rPr lang="it-IT" dirty="0">
-                <a:latin typeface="Century Gothic" panose="020B0502020202020204" pitchFamily="34" charset="0"/>
-              </a:rPr>
-              <a:t>Any server </a:t>
-            </a:r>
-            <a:r>
-              <a:rPr lang="it-IT">
-                <a:latin typeface="Century Gothic" panose="020B0502020202020204" pitchFamily="34" charset="0"/>
-              </a:rPr>
-              <a:t>side code </a:t>
-            </a:r>
-            <a:r>
-              <a:rPr lang="it-IT" dirty="0">
-                <a:latin typeface="Century Gothic" panose="020B0502020202020204" pitchFamily="34" charset="0"/>
-              </a:rPr>
-              <a:t>will be written using C# and .NET</a:t>
-            </a:r>
-          </a:p>
-          <a:p>
-            <a:pPr marL="171450" indent="-171450">
-              <a:buFont typeface="Arial" panose="020B0604020202020204" pitchFamily="34" charset="0"/>
-              <a:buChar char="•"/>
-            </a:pPr>
-            <a:r>
-              <a:rPr lang="it-IT" dirty="0">
-                <a:latin typeface="Century Gothic" panose="020B0502020202020204" pitchFamily="34" charset="0"/>
-              </a:rPr>
-              <a:t>Storage</a:t>
-            </a:r>
-          </a:p>
-          <a:p>
-            <a:pPr marL="628650" lvl="1" indent="-171450">
-              <a:buFont typeface="Arial" panose="020B0604020202020204" pitchFamily="34" charset="0"/>
-              <a:buChar char="•"/>
-            </a:pPr>
-            <a:r>
-              <a:rPr lang="it-IT" dirty="0">
-                <a:latin typeface="Century Gothic" panose="020B0502020202020204" pitchFamily="34" charset="0"/>
-              </a:rPr>
-              <a:t>Azure Data Lake Storage Gen 1 will be used as cold storage repository; Azure Streaming Analytics will send the data to the storage, and data will then be processed in Azure Data Lake Analytics</a:t>
-            </a:r>
-          </a:p>
-          <a:p>
-            <a:pPr marL="171450" indent="-171450">
-              <a:buFont typeface="Arial" panose="020B0604020202020204" pitchFamily="34" charset="0"/>
-              <a:buChar char="•"/>
-            </a:pPr>
-            <a:r>
-              <a:rPr lang="it-IT" dirty="0">
-                <a:latin typeface="Century Gothic" panose="020B0502020202020204" pitchFamily="34" charset="0"/>
-              </a:rPr>
-              <a:t>User Interface</a:t>
-            </a:r>
-          </a:p>
-          <a:p>
-            <a:pPr marL="171450" indent="-171450">
-              <a:buFont typeface="Arial" panose="020B0604020202020204" pitchFamily="34" charset="0"/>
-              <a:buChar char="•"/>
-            </a:pPr>
-            <a:endParaRPr lang="it-IT" dirty="0">
-              <a:latin typeface="Century Gothic" panose="020B0502020202020204" pitchFamily="34" charset="0"/>
-            </a:endParaRPr>
-          </a:p>
-          <a:p>
-            <a:pPr marL="171450" indent="-171450">
-              <a:buFont typeface="Arial" panose="020B0604020202020204" pitchFamily="34" charset="0"/>
-              <a:buChar char="•"/>
-            </a:pPr>
-            <a:endParaRPr lang="it-IT" dirty="0">
-              <a:latin typeface="Century Gothic" panose="020B0502020202020204" pitchFamily="34" charset="0"/>
-            </a:endParaRPr>
-          </a:p>
-          <a:p>
-            <a:pPr marL="0" indent="0">
-              <a:buFont typeface="Arial" panose="020B0604020202020204" pitchFamily="34" charset="0"/>
-              <a:buNone/>
-            </a:pPr>
-            <a:r>
-              <a:rPr lang="it-IT" sz="1400" b="1" dirty="0">
-                <a:latin typeface="Century Gothic" panose="020B0502020202020204" pitchFamily="34" charset="0"/>
-              </a:rPr>
-              <a:t>Optional Subsystems</a:t>
-            </a:r>
-          </a:p>
-          <a:p>
-            <a:pPr marL="171450" indent="-171450">
-              <a:buFont typeface="Arial" panose="020B0604020202020204" pitchFamily="34" charset="0"/>
-              <a:buChar char="•"/>
-            </a:pPr>
-            <a:r>
-              <a:rPr lang="it-IT" sz="1200" b="0" dirty="0">
-                <a:latin typeface="Century Gothic" panose="020B0502020202020204" pitchFamily="34" charset="0"/>
-              </a:rPr>
-              <a:t>Machine Learning</a:t>
-            </a:r>
-          </a:p>
-          <a:p>
             <a:pPr marL="628650" marR="0" lvl="1" indent="-171450" algn="l" defTabSz="914400" rtl="0" eaLnBrk="1" fontAlgn="auto" latinLnBrk="0" hangingPunct="1">
               <a:lnSpc>
                 <a:spcPct val="100000"/>
@@ -1096,7 +550,295 @@
               <a:rPr lang="it-IT" dirty="0">
                 <a:latin typeface="Century Gothic" panose="020B0502020202020204" pitchFamily="34" charset="0"/>
               </a:rPr>
-              <a:t>The device telemetry will be stored in the cloud for long-term use</a:t>
+              <a:t>Functional requirements, constraints and quality attributes</a:t>
+            </a:r>
+          </a:p>
+          <a:p>
+            <a:pPr marL="1085850" lvl="2" indent="-171450">
+              <a:buFont typeface="Arial" panose="020B0604020202020204" pitchFamily="34" charset="0"/>
+              <a:buChar char="•"/>
+            </a:pPr>
+            <a:r>
+              <a:rPr lang="it-IT" dirty="0">
+                <a:latin typeface="Century Gothic" panose="020B0502020202020204" pitchFamily="34" charset="0"/>
+              </a:rPr>
+              <a:t>The wather station will leverage a number of sensors to provide the telemetry information and will connect directly (and securely) to our WiFi network that provides access to the Internet.</a:t>
+            </a:r>
+          </a:p>
+          <a:p>
+            <a:pPr marL="1085850" lvl="2" indent="-171450">
+              <a:buFont typeface="Arial" panose="020B0604020202020204" pitchFamily="34" charset="0"/>
+              <a:buChar char="•"/>
+            </a:pPr>
+            <a:r>
+              <a:rPr lang="it-IT" dirty="0">
+                <a:latin typeface="Century Gothic" panose="020B0502020202020204" pitchFamily="34" charset="0"/>
+              </a:rPr>
+              <a:t>The weather station will provide the following telemetry data:</a:t>
+            </a:r>
+          </a:p>
+          <a:p>
+            <a:pPr marL="1543050" lvl="3" indent="-171450">
+              <a:buFont typeface="Arial" panose="020B0604020202020204" pitchFamily="34" charset="0"/>
+              <a:buChar char="•"/>
+            </a:pPr>
+            <a:r>
+              <a:rPr lang="it-IT" dirty="0">
+                <a:latin typeface="Century Gothic" panose="020B0502020202020204" pitchFamily="34" charset="0"/>
+              </a:rPr>
+              <a:t>Temperature in Celsius (C)</a:t>
+            </a:r>
+          </a:p>
+          <a:p>
+            <a:pPr marL="1543050" lvl="3" indent="-171450">
+              <a:buFont typeface="Arial" panose="020B0604020202020204" pitchFamily="34" charset="0"/>
+              <a:buChar char="•"/>
+            </a:pPr>
+            <a:r>
+              <a:rPr lang="it-IT" dirty="0">
+                <a:latin typeface="Century Gothic" panose="020B0502020202020204" pitchFamily="34" charset="0"/>
+              </a:rPr>
+              <a:t>Humidity in relative Humidity (rH)</a:t>
+            </a:r>
+          </a:p>
+          <a:p>
+            <a:pPr marL="1543050" lvl="3" indent="-171450">
+              <a:buFont typeface="Arial" panose="020B0604020202020204" pitchFamily="34" charset="0"/>
+              <a:buChar char="•"/>
+            </a:pPr>
+            <a:r>
+              <a:rPr lang="it-IT" dirty="0">
+                <a:latin typeface="Century Gothic" panose="020B0502020202020204" pitchFamily="34" charset="0"/>
+              </a:rPr>
+              <a:t>Pressure in hectopascal (hPa)</a:t>
+            </a:r>
+          </a:p>
+          <a:p>
+            <a:pPr marL="1543050" lvl="3" indent="-171450">
+              <a:buFont typeface="Arial" panose="020B0604020202020204" pitchFamily="34" charset="0"/>
+              <a:buChar char="•"/>
+            </a:pPr>
+            <a:r>
+              <a:rPr lang="it-IT" dirty="0">
+                <a:latin typeface="Century Gothic" panose="020B0502020202020204" pitchFamily="34" charset="0"/>
+              </a:rPr>
+              <a:t>Wind Speed in meters per second (m/s)</a:t>
+            </a:r>
+          </a:p>
+          <a:p>
+            <a:pPr marL="1543050" lvl="3" indent="-171450">
+              <a:buFont typeface="Arial" panose="020B0604020202020204" pitchFamily="34" charset="0"/>
+              <a:buChar char="•"/>
+            </a:pPr>
+            <a:r>
+              <a:rPr lang="it-IT" dirty="0">
+                <a:latin typeface="Century Gothic" panose="020B0502020202020204" pitchFamily="34" charset="0"/>
+              </a:rPr>
+              <a:t>Wind Direction in degrees</a:t>
+            </a:r>
+          </a:p>
+          <a:p>
+            <a:pPr marL="1085850" lvl="2" indent="-171450">
+              <a:buFont typeface="Arial" panose="020B0604020202020204" pitchFamily="34" charset="0"/>
+              <a:buChar char="•"/>
+            </a:pPr>
+            <a:r>
+              <a:rPr lang="it-IT" dirty="0">
+                <a:latin typeface="Century Gothic" panose="020B0502020202020204" pitchFamily="34" charset="0"/>
+              </a:rPr>
+              <a:t>Telemetry will be sent in JSON format; the field that identify the sensor telemetry data use the number data type, and the remaining fields (metadata) contain string data.</a:t>
+            </a:r>
+          </a:p>
+          <a:p>
+            <a:pPr marL="1085850" lvl="2" indent="-171450">
+              <a:buFont typeface="Arial" panose="020B0604020202020204" pitchFamily="34" charset="0"/>
+              <a:buChar char="•"/>
+            </a:pPr>
+            <a:r>
+              <a:rPr lang="it-IT" dirty="0">
+                <a:latin typeface="Century Gothic" panose="020B0502020202020204" pitchFamily="34" charset="0"/>
+              </a:rPr>
+              <a:t>The solution must support adjusting the frequency in response to conditions detected in the cloud.</a:t>
+            </a:r>
+          </a:p>
+          <a:p>
+            <a:pPr marL="1085850" lvl="2" indent="-171450">
+              <a:buFont typeface="Arial" panose="020B0604020202020204" pitchFamily="34" charset="0"/>
+              <a:buChar char="•"/>
+            </a:pPr>
+            <a:r>
+              <a:rPr lang="it-IT" dirty="0">
+                <a:latin typeface="Century Gothic" panose="020B0502020202020204" pitchFamily="34" charset="0"/>
+              </a:rPr>
+              <a:t>Weather Station will be simulated using an MXChip Devkit AZ3166 Devkit </a:t>
+            </a:r>
+          </a:p>
+          <a:p>
+            <a:pPr marL="1085850" lvl="2" indent="-171450">
+              <a:buFont typeface="Arial" panose="020B0604020202020204" pitchFamily="34" charset="0"/>
+              <a:buChar char="•"/>
+            </a:pPr>
+            <a:r>
+              <a:rPr lang="it-IT" dirty="0">
+                <a:latin typeface="Century Gothic" panose="020B0502020202020204" pitchFamily="34" charset="0"/>
+              </a:rPr>
+              <a:t>The weather station application will be written in C/C++</a:t>
+            </a:r>
+          </a:p>
+          <a:p>
+            <a:pPr marL="1085850" lvl="2" indent="-171450">
+              <a:buFont typeface="Arial" panose="020B0604020202020204" pitchFamily="34" charset="0"/>
+              <a:buChar char="•"/>
+            </a:pPr>
+            <a:r>
+              <a:rPr lang="it-IT" dirty="0">
+                <a:latin typeface="Century Gothic" panose="020B0502020202020204" pitchFamily="34" charset="0"/>
+              </a:rPr>
+              <a:t>The MXChip devkit will use on-board LEDs as follow</a:t>
+            </a:r>
+          </a:p>
+          <a:p>
+            <a:pPr marL="1543050" lvl="3" indent="-171450">
+              <a:buFont typeface="Arial" panose="020B0604020202020204" pitchFamily="34" charset="0"/>
+              <a:buChar char="•"/>
+            </a:pPr>
+            <a:r>
+              <a:rPr lang="it-IT" dirty="0">
+                <a:latin typeface="Century Gothic" panose="020B0502020202020204" pitchFamily="34" charset="0"/>
+              </a:rPr>
+              <a:t>The WiFi LED will illuminate upon connection to the local WiFi</a:t>
+            </a:r>
+          </a:p>
+          <a:p>
+            <a:pPr marL="1543050" lvl="3" indent="-171450">
+              <a:buFont typeface="Arial" panose="020B0604020202020204" pitchFamily="34" charset="0"/>
+              <a:buChar char="•"/>
+            </a:pPr>
+            <a:r>
+              <a:rPr lang="it-IT" dirty="0">
+                <a:latin typeface="Century Gothic" panose="020B0502020202020204" pitchFamily="34" charset="0"/>
+              </a:rPr>
+              <a:t>The Azure LED will illuminate on connection to the cloud</a:t>
+            </a:r>
+          </a:p>
+          <a:p>
+            <a:pPr marL="1543050" lvl="3" indent="-171450">
+              <a:buFont typeface="Arial" panose="020B0604020202020204" pitchFamily="34" charset="0"/>
+              <a:buChar char="•"/>
+            </a:pPr>
+            <a:r>
+              <a:rPr lang="it-IT" dirty="0">
+                <a:latin typeface="Century Gothic" panose="020B0502020202020204" pitchFamily="34" charset="0"/>
+              </a:rPr>
+              <a:t>The User LED will flash whenever data is sent to the cloud</a:t>
+            </a:r>
+          </a:p>
+          <a:p>
+            <a:pPr marL="1543050" lvl="3" indent="-171450">
+              <a:buFont typeface="Arial" panose="020B0604020202020204" pitchFamily="34" charset="0"/>
+              <a:buChar char="•"/>
+            </a:pPr>
+            <a:r>
+              <a:rPr lang="it-IT" dirty="0">
+                <a:latin typeface="Century Gothic" panose="020B0502020202020204" pitchFamily="34" charset="0"/>
+              </a:rPr>
+              <a:t>The RGB LED color will change in response to messages from the cloud changing the Wind Speed Status:</a:t>
+            </a:r>
+          </a:p>
+          <a:p>
+            <a:pPr marL="2000250" lvl="4" indent="-171450">
+              <a:buFont typeface="Arial" panose="020B0604020202020204" pitchFamily="34" charset="0"/>
+              <a:buChar char="•"/>
+            </a:pPr>
+            <a:r>
+              <a:rPr lang="it-IT" dirty="0">
+                <a:latin typeface="Century Gothic" panose="020B0502020202020204" pitchFamily="34" charset="0"/>
+              </a:rPr>
+              <a:t>Green – Wind Speed is within Normal Conditions</a:t>
+            </a:r>
+          </a:p>
+          <a:p>
+            <a:pPr marL="2000250" lvl="4" indent="-171450">
+              <a:buFont typeface="Arial" panose="020B0604020202020204" pitchFamily="34" charset="0"/>
+              <a:buChar char="•"/>
+            </a:pPr>
+            <a:r>
+              <a:rPr lang="it-IT" dirty="0">
+                <a:latin typeface="Century Gothic" panose="020B0502020202020204" pitchFamily="34" charset="0"/>
+              </a:rPr>
+              <a:t>Orange – Wind Speed is within Strong Conditions</a:t>
+            </a:r>
+          </a:p>
+          <a:p>
+            <a:pPr marL="2000250" lvl="4" indent="-171450">
+              <a:buFont typeface="Arial" panose="020B0604020202020204" pitchFamily="34" charset="0"/>
+              <a:buChar char="•"/>
+            </a:pPr>
+            <a:r>
+              <a:rPr lang="it-IT" dirty="0">
+                <a:latin typeface="Century Gothic" panose="020B0502020202020204" pitchFamily="34" charset="0"/>
+              </a:rPr>
+              <a:t>Red – Wind Speed is within Dangerous Conditions</a:t>
+            </a:r>
+          </a:p>
+          <a:p>
+            <a:pPr marL="1085850" lvl="2" indent="-171450">
+              <a:buFont typeface="Arial" panose="020B0604020202020204" pitchFamily="34" charset="0"/>
+              <a:buChar char="•"/>
+            </a:pPr>
+            <a:r>
+              <a:rPr lang="it-IT" dirty="0">
+                <a:latin typeface="Century Gothic" panose="020B0502020202020204" pitchFamily="34" charset="0"/>
+              </a:rPr>
+              <a:t>The MXChip OLED display will show the following information:</a:t>
+            </a:r>
+          </a:p>
+          <a:p>
+            <a:pPr marL="1543050" lvl="3" indent="-171450">
+              <a:buFont typeface="Arial" panose="020B0604020202020204" pitchFamily="34" charset="0"/>
+              <a:buChar char="•"/>
+            </a:pPr>
+            <a:r>
+              <a:rPr lang="it-IT" dirty="0">
+                <a:latin typeface="Century Gothic" panose="020B0502020202020204" pitchFamily="34" charset="0"/>
+              </a:rPr>
+              <a:t>Wind Direction in degrees</a:t>
+            </a:r>
+          </a:p>
+          <a:p>
+            <a:pPr marL="1543050" lvl="3" indent="-171450">
+              <a:buFont typeface="Arial" panose="020B0604020202020204" pitchFamily="34" charset="0"/>
+              <a:buChar char="•"/>
+            </a:pPr>
+            <a:r>
+              <a:rPr lang="it-IT" dirty="0">
+                <a:latin typeface="Century Gothic" panose="020B0502020202020204" pitchFamily="34" charset="0"/>
+              </a:rPr>
+              <a:t>Wind Direction as text: NORTH, NORTH-EAST, EAST, etc.</a:t>
+            </a:r>
+          </a:p>
+          <a:p>
+            <a:pPr marL="1543050" lvl="3" indent="-171450">
+              <a:buFont typeface="Arial" panose="020B0604020202020204" pitchFamily="34" charset="0"/>
+              <a:buChar char="•"/>
+            </a:pPr>
+            <a:r>
+              <a:rPr lang="it-IT" dirty="0">
+                <a:latin typeface="Century Gothic" panose="020B0502020202020204" pitchFamily="34" charset="0"/>
+              </a:rPr>
+              <a:t>Wind Speed in m/s</a:t>
+            </a:r>
+          </a:p>
+          <a:p>
+            <a:pPr marL="171450" indent="-171450">
+              <a:buFont typeface="Arial" panose="020B0604020202020204" pitchFamily="34" charset="0"/>
+              <a:buChar char="•"/>
+            </a:pPr>
+            <a:r>
+              <a:rPr lang="it-IT" dirty="0">
+                <a:latin typeface="Century Gothic" panose="020B0502020202020204" pitchFamily="34" charset="0"/>
+              </a:rPr>
+              <a:t>Cloud Gateway (IoT Hub)</a:t>
             </a:r>
           </a:p>
           <a:p>
@@ -1121,7 +863,325 @@
               <a:rPr lang="it-IT" dirty="0">
                 <a:latin typeface="Century Gothic" panose="020B0502020202020204" pitchFamily="34" charset="0"/>
               </a:rPr>
-              <a:t>Data Lake Analytics will be used to compute some statistics from telemetry data.</a:t>
+              <a:t>Functional requirements, constraints and quality attributes</a:t>
+            </a:r>
+          </a:p>
+          <a:p>
+            <a:pPr marL="1085850" lvl="2" indent="-171450">
+              <a:buFont typeface="Arial" panose="020B0604020202020204" pitchFamily="34" charset="0"/>
+              <a:buChar char="•"/>
+            </a:pPr>
+            <a:r>
+              <a:rPr lang="it-IT" dirty="0">
+                <a:latin typeface="Century Gothic" panose="020B0502020202020204" pitchFamily="34" charset="0"/>
+              </a:rPr>
+              <a:t>The cloud will communicate with the Weather Station via changes made to the Device Twin. The device twin will have the following desired properties:</a:t>
+            </a:r>
+          </a:p>
+          <a:p>
+            <a:pPr marL="1543050" lvl="3" indent="-171450">
+              <a:buFont typeface="Arial" panose="020B0604020202020204" pitchFamily="34" charset="0"/>
+              <a:buChar char="•"/>
+            </a:pPr>
+            <a:r>
+              <a:rPr lang="it-IT" dirty="0">
+                <a:latin typeface="Century Gothic" panose="020B0502020202020204" pitchFamily="34" charset="0"/>
+              </a:rPr>
+              <a:t>windSpeedStatus – string value: Normal | Strong | Dangerous</a:t>
+            </a:r>
+          </a:p>
+          <a:p>
+            <a:pPr marL="1543050" lvl="3" indent="-171450">
+              <a:buFont typeface="Arial" panose="020B0604020202020204" pitchFamily="34" charset="0"/>
+              <a:buChar char="•"/>
+            </a:pPr>
+            <a:r>
+              <a:rPr lang="it-IT" dirty="0">
+                <a:latin typeface="Century Gothic" panose="020B0502020202020204" pitchFamily="34" charset="0"/>
+              </a:rPr>
+              <a:t>updateFrequencySeconds – number value that controls how often the device sends telemetry to the cloud.</a:t>
+            </a:r>
+          </a:p>
+          <a:p>
+            <a:pPr marL="628650" lvl="1" indent="-171450">
+              <a:buFont typeface="Arial" panose="020B0604020202020204" pitchFamily="34" charset="0"/>
+              <a:buChar char="•"/>
+            </a:pPr>
+            <a:r>
+              <a:rPr lang="it-IT" dirty="0">
+                <a:latin typeface="Century Gothic" panose="020B0502020202020204" pitchFamily="34" charset="0"/>
+              </a:rPr>
+              <a:t>IoT Hub enable highly secure and reliable communication between our IoT application and the device. It supports per-device authentication, built-in device management, and scaled provisioning. It allows to establish a securety-enhanced communication channel for sending and receiving data from IoT devices.</a:t>
+            </a:r>
+          </a:p>
+          <a:p>
+            <a:pPr marL="171450" indent="-171450">
+              <a:buFont typeface="Arial" panose="020B0604020202020204" pitchFamily="34" charset="0"/>
+              <a:buChar char="•"/>
+            </a:pPr>
+            <a:r>
+              <a:rPr lang="it-IT" dirty="0">
+                <a:latin typeface="Century Gothic" panose="020B0502020202020204" pitchFamily="34" charset="0"/>
+              </a:rPr>
+              <a:t>Stream Processors</a:t>
+            </a:r>
+          </a:p>
+          <a:p>
+            <a:pPr marL="628650" lvl="1" indent="-171450">
+              <a:buFont typeface="Arial" panose="020B0604020202020204" pitchFamily="34" charset="0"/>
+              <a:buChar char="•"/>
+            </a:pPr>
+            <a:r>
+              <a:rPr lang="it-IT" dirty="0">
+                <a:latin typeface="Century Gothic" panose="020B0502020202020204" pitchFamily="34" charset="0"/>
+              </a:rPr>
+              <a:t>Functional requirements, constraints and quality attributes</a:t>
+            </a:r>
+          </a:p>
+          <a:p>
+            <a:pPr marL="1085850" lvl="2" indent="-171450">
+              <a:buFont typeface="Arial" panose="020B0604020202020204" pitchFamily="34" charset="0"/>
+              <a:buChar char="•"/>
+            </a:pPr>
+            <a:r>
+              <a:rPr lang="it-IT" dirty="0">
+                <a:latin typeface="Century Gothic" panose="020B0502020202020204" pitchFamily="34" charset="0"/>
+              </a:rPr>
+              <a:t>The device telemetry will be stored in the cloud for long-term use</a:t>
+            </a:r>
+          </a:p>
+          <a:p>
+            <a:pPr marL="1085850" lvl="2" indent="-171450">
+              <a:buFont typeface="Arial" panose="020B0604020202020204" pitchFamily="34" charset="0"/>
+              <a:buChar char="•"/>
+            </a:pPr>
+            <a:r>
+              <a:rPr lang="it-IT" dirty="0">
+                <a:latin typeface="Century Gothic" panose="020B0502020202020204" pitchFamily="34" charset="0"/>
+              </a:rPr>
+              <a:t>Azure Streaming Analytics will be used to process incoming data and direct it to the appropriate output.</a:t>
+            </a:r>
+          </a:p>
+          <a:p>
+            <a:pPr marL="171450" indent="-171450">
+              <a:buFont typeface="Arial" panose="020B0604020202020204" pitchFamily="34" charset="0"/>
+              <a:buChar char="•"/>
+            </a:pPr>
+            <a:r>
+              <a:rPr lang="it-IT" dirty="0">
+                <a:latin typeface="Century Gothic" panose="020B0502020202020204" pitchFamily="34" charset="0"/>
+              </a:rPr>
+              <a:t>Business Integration Processes</a:t>
+            </a:r>
+          </a:p>
+          <a:p>
+            <a:pPr marL="628650" lvl="1" indent="-171450">
+              <a:buFont typeface="Arial" panose="020B0604020202020204" pitchFamily="34" charset="0"/>
+              <a:buChar char="•"/>
+            </a:pPr>
+            <a:r>
+              <a:rPr lang="it-IT" dirty="0">
+                <a:latin typeface="Century Gothic" panose="020B0502020202020204" pitchFamily="34" charset="0"/>
+              </a:rPr>
+              <a:t>Functional requirements, constraints and quality attributes</a:t>
+            </a:r>
+          </a:p>
+          <a:p>
+            <a:pPr marL="1085850" lvl="2" indent="-171450">
+              <a:buFont typeface="Arial" panose="020B0604020202020204" pitchFamily="34" charset="0"/>
+              <a:buChar char="•"/>
+            </a:pPr>
+            <a:r>
+              <a:rPr lang="it-IT" dirty="0">
+                <a:latin typeface="Century Gothic" panose="020B0502020202020204" pitchFamily="34" charset="0"/>
+              </a:rPr>
+              <a:t>The cloud will communicate with the Weather Station via changes made to the Device Twin</a:t>
+            </a:r>
+          </a:p>
+          <a:p>
+            <a:pPr marL="1085850" lvl="2" indent="-171450">
+              <a:buFont typeface="Arial" panose="020B0604020202020204" pitchFamily="34" charset="0"/>
+              <a:buChar char="•"/>
+            </a:pPr>
+            <a:r>
+              <a:rPr lang="it-IT" dirty="0">
+                <a:latin typeface="Century Gothic" panose="020B0502020202020204" pitchFamily="34" charset="0"/>
+              </a:rPr>
+              <a:t>An Azure Function connected to Azure Streaming Analytics will be used to update the device twin in accordance with the requirements</a:t>
+            </a:r>
+          </a:p>
+          <a:p>
+            <a:pPr marL="1085850" lvl="2" indent="-171450">
+              <a:buFont typeface="Arial" panose="020B0604020202020204" pitchFamily="34" charset="0"/>
+              <a:buChar char="•"/>
+            </a:pPr>
+            <a:r>
+              <a:rPr lang="it-IT" dirty="0">
+                <a:latin typeface="Century Gothic" panose="020B0502020202020204" pitchFamily="34" charset="0"/>
+              </a:rPr>
+              <a:t>Any server side code will be written using C# and .NET</a:t>
+            </a:r>
+          </a:p>
+          <a:p>
+            <a:pPr marL="171450" indent="-171450">
+              <a:buFont typeface="Arial" panose="020B0604020202020204" pitchFamily="34" charset="0"/>
+              <a:buChar char="•"/>
+            </a:pPr>
+            <a:r>
+              <a:rPr lang="it-IT" dirty="0">
+                <a:latin typeface="Century Gothic" panose="020B0502020202020204" pitchFamily="34" charset="0"/>
+              </a:rPr>
+              <a:t>Storage</a:t>
+            </a:r>
+          </a:p>
+          <a:p>
+            <a:pPr marL="628650" marR="0" lvl="1" indent="-171450" algn="l" defTabSz="914400" rtl="0" eaLnBrk="1" fontAlgn="auto" latinLnBrk="0" hangingPunct="1">
+              <a:lnSpc>
+                <a:spcPct val="100000"/>
+              </a:lnSpc>
+              <a:spcBef>
+                <a:spcPts val="0"/>
+              </a:spcBef>
+              <a:spcAft>
+                <a:spcPts val="0"/>
+              </a:spcAft>
+              <a:buClrTx/>
+              <a:buSzTx/>
+              <a:buFont typeface="Arial" panose="020B0604020202020204" pitchFamily="34" charset="0"/>
+              <a:buChar char="•"/>
+              <a:tabLst/>
+              <a:defRPr/>
+            </a:pPr>
+            <a:r>
+              <a:rPr lang="it-IT" dirty="0">
+                <a:latin typeface="Century Gothic" panose="020B0502020202020204" pitchFamily="34" charset="0"/>
+              </a:rPr>
+              <a:t>The device telemetry will be stored in the cloud for long-term use</a:t>
+            </a:r>
+          </a:p>
+          <a:p>
+            <a:pPr marL="628650" lvl="1" indent="-171450">
+              <a:buFont typeface="Arial" panose="020B0604020202020204" pitchFamily="34" charset="0"/>
+              <a:buChar char="•"/>
+            </a:pPr>
+            <a:r>
+              <a:rPr lang="it-IT" dirty="0">
+                <a:latin typeface="Century Gothic" panose="020B0502020202020204" pitchFamily="34" charset="0"/>
+              </a:rPr>
+              <a:t>Azure Data Lake Storage Gen 1 will be used as cold storage repository; Azure Streaming Analytics will send the data to the storage, and data will then be processed in Azure Data Lake Analytics. This storage technology allows to create hyper-scale, Hadoop-compatible repository for analytics on data of any size, type, and ingestion speed. Furthermore, Data Lake Storage Gen1 provides industry-standard availability and reliability and also provides enterprise-grade security for the stored data. Another important feature of this type of storage is that it can store any data in its native format, without requiring any prior transformations. Data Lake Storage Gen1 does not require a schema to be defined before the data is loaded, leaving it up to the individual analytic framework to interpret the data and define the schema at the time of the analysis. </a:t>
+            </a:r>
+            <a:r>
+              <a:rPr lang="it-IT">
+                <a:latin typeface="Century Gothic" panose="020B0502020202020204" pitchFamily="34" charset="0"/>
+              </a:rPr>
+              <a:t>The ability to store files of arbitrary sizes and formats makes it possible for Data Lake Storage Gen1 to handle structured, semi-structured, and unstructured data.</a:t>
+            </a:r>
+            <a:endParaRPr lang="it-IT" dirty="0">
+              <a:latin typeface="Century Gothic" panose="020B0502020202020204" pitchFamily="34" charset="0"/>
+            </a:endParaRPr>
+          </a:p>
+          <a:p>
+            <a:pPr marL="171450" indent="-171450">
+              <a:buFont typeface="Arial" panose="020B0604020202020204" pitchFamily="34" charset="0"/>
+              <a:buChar char="•"/>
+            </a:pPr>
+            <a:r>
+              <a:rPr lang="it-IT" dirty="0">
+                <a:latin typeface="Century Gothic" panose="020B0502020202020204" pitchFamily="34" charset="0"/>
+              </a:rPr>
+              <a:t>User Interface</a:t>
+            </a:r>
+          </a:p>
+          <a:p>
+            <a:pPr marL="171450" indent="-171450">
+              <a:buFont typeface="Arial" panose="020B0604020202020204" pitchFamily="34" charset="0"/>
+              <a:buChar char="•"/>
+            </a:pPr>
+            <a:endParaRPr lang="it-IT" dirty="0">
+              <a:latin typeface="Century Gothic" panose="020B0502020202020204" pitchFamily="34" charset="0"/>
+            </a:endParaRPr>
+          </a:p>
+          <a:p>
+            <a:pPr marL="171450" indent="-171450">
+              <a:buFont typeface="Arial" panose="020B0604020202020204" pitchFamily="34" charset="0"/>
+              <a:buChar char="•"/>
+            </a:pPr>
+            <a:endParaRPr lang="it-IT" dirty="0">
+              <a:latin typeface="Century Gothic" panose="020B0502020202020204" pitchFamily="34" charset="0"/>
+            </a:endParaRPr>
+          </a:p>
+          <a:p>
+            <a:pPr marL="0" indent="0">
+              <a:buFont typeface="Arial" panose="020B0604020202020204" pitchFamily="34" charset="0"/>
+              <a:buNone/>
+            </a:pPr>
+            <a:r>
+              <a:rPr lang="it-IT" sz="1400" b="1" dirty="0">
+                <a:latin typeface="Century Gothic" panose="020B0502020202020204" pitchFamily="34" charset="0"/>
+              </a:rPr>
+              <a:t>Optional Subsystems</a:t>
+            </a:r>
+          </a:p>
+          <a:p>
+            <a:pPr marL="171450" indent="-171450">
+              <a:buFont typeface="Arial" panose="020B0604020202020204" pitchFamily="34" charset="0"/>
+              <a:buChar char="•"/>
+            </a:pPr>
+            <a:r>
+              <a:rPr lang="it-IT" sz="1200" b="0" dirty="0">
+                <a:latin typeface="Century Gothic" panose="020B0502020202020204" pitchFamily="34" charset="0"/>
+              </a:rPr>
+              <a:t>Machine Learning</a:t>
+            </a:r>
+          </a:p>
+          <a:p>
+            <a:pPr marL="628650" marR="0" lvl="1" indent="-171450" algn="l" defTabSz="914400" rtl="0" eaLnBrk="1" fontAlgn="auto" latinLnBrk="0" hangingPunct="1">
+              <a:lnSpc>
+                <a:spcPct val="100000"/>
+              </a:lnSpc>
+              <a:spcBef>
+                <a:spcPts val="0"/>
+              </a:spcBef>
+              <a:spcAft>
+                <a:spcPts val="0"/>
+              </a:spcAft>
+              <a:buClrTx/>
+              <a:buSzTx/>
+              <a:buFont typeface="Arial" panose="020B0604020202020204" pitchFamily="34" charset="0"/>
+              <a:buChar char="•"/>
+              <a:tabLst/>
+              <a:defRPr/>
+            </a:pPr>
+            <a:r>
+              <a:rPr lang="it-IT" dirty="0">
+                <a:latin typeface="Century Gothic" panose="020B0502020202020204" pitchFamily="34" charset="0"/>
+              </a:rPr>
+              <a:t>The device telemetry will be stored in the cloud for long-term use</a:t>
+            </a:r>
+          </a:p>
+          <a:p>
+            <a:pPr marL="628650" marR="0" lvl="1" indent="-171450" algn="l" defTabSz="914400" rtl="0" eaLnBrk="1" fontAlgn="auto" latinLnBrk="0" hangingPunct="1">
+              <a:lnSpc>
+                <a:spcPct val="100000"/>
+              </a:lnSpc>
+              <a:spcBef>
+                <a:spcPts val="0"/>
+              </a:spcBef>
+              <a:spcAft>
+                <a:spcPts val="0"/>
+              </a:spcAft>
+              <a:buClrTx/>
+              <a:buSzTx/>
+              <a:buFont typeface="Arial" panose="020B0604020202020204" pitchFamily="34" charset="0"/>
+              <a:buChar char="•"/>
+              <a:tabLst/>
+              <a:defRPr/>
+            </a:pPr>
+            <a:r>
+              <a:rPr lang="it-IT" dirty="0">
+                <a:latin typeface="Century Gothic" panose="020B0502020202020204" pitchFamily="34" charset="0"/>
+              </a:rPr>
+              <a:t>Data Lake Analytics will be used to compute some statistics from telemetry data. It allows to execute big data jobs at scale through development of massively parallel programs. Furthermore, it supports enterprise-grade security and auditing features.</a:t>
             </a:r>
           </a:p>
           <a:p>
@@ -1320,7 +1380,7 @@
           <a:p>
             <a:fld id="{63615552-887B-45F6-B150-B606B592F51E}" type="datetimeFigureOut">
               <a:rPr lang="it-IT" smtClean="0"/>
-              <a:t>10/11/2019</a:t>
+              <a:t>11/11/2019</a:t>
             </a:fld>
             <a:endParaRPr lang="it-IT"/>
           </a:p>
@@ -1520,7 +1580,7 @@
           <a:p>
             <a:fld id="{63615552-887B-45F6-B150-B606B592F51E}" type="datetimeFigureOut">
               <a:rPr lang="it-IT" smtClean="0"/>
-              <a:t>10/11/2019</a:t>
+              <a:t>11/11/2019</a:t>
             </a:fld>
             <a:endParaRPr lang="it-IT"/>
           </a:p>
@@ -1730,7 +1790,7 @@
           <a:p>
             <a:fld id="{63615552-887B-45F6-B150-B606B592F51E}" type="datetimeFigureOut">
               <a:rPr lang="it-IT" smtClean="0"/>
-              <a:t>10/11/2019</a:t>
+              <a:t>11/11/2019</a:t>
             </a:fld>
             <a:endParaRPr lang="it-IT"/>
           </a:p>
@@ -1930,7 +1990,7 @@
           <a:p>
             <a:fld id="{63615552-887B-45F6-B150-B606B592F51E}" type="datetimeFigureOut">
               <a:rPr lang="it-IT" smtClean="0"/>
-              <a:t>10/11/2019</a:t>
+              <a:t>11/11/2019</a:t>
             </a:fld>
             <a:endParaRPr lang="it-IT"/>
           </a:p>
@@ -2206,7 +2266,7 @@
           <a:p>
             <a:fld id="{63615552-887B-45F6-B150-B606B592F51E}" type="datetimeFigureOut">
               <a:rPr lang="it-IT" smtClean="0"/>
-              <a:t>10/11/2019</a:t>
+              <a:t>11/11/2019</a:t>
             </a:fld>
             <a:endParaRPr lang="it-IT"/>
           </a:p>
@@ -2474,7 +2534,7 @@
           <a:p>
             <a:fld id="{63615552-887B-45F6-B150-B606B592F51E}" type="datetimeFigureOut">
               <a:rPr lang="it-IT" smtClean="0"/>
-              <a:t>10/11/2019</a:t>
+              <a:t>11/11/2019</a:t>
             </a:fld>
             <a:endParaRPr lang="it-IT"/>
           </a:p>
@@ -2889,7 +2949,7 @@
           <a:p>
             <a:fld id="{63615552-887B-45F6-B150-B606B592F51E}" type="datetimeFigureOut">
               <a:rPr lang="it-IT" smtClean="0"/>
-              <a:t>10/11/2019</a:t>
+              <a:t>11/11/2019</a:t>
             </a:fld>
             <a:endParaRPr lang="it-IT"/>
           </a:p>
@@ -3031,7 +3091,7 @@
           <a:p>
             <a:fld id="{63615552-887B-45F6-B150-B606B592F51E}" type="datetimeFigureOut">
               <a:rPr lang="it-IT" smtClean="0"/>
-              <a:t>10/11/2019</a:t>
+              <a:t>11/11/2019</a:t>
             </a:fld>
             <a:endParaRPr lang="it-IT"/>
           </a:p>
@@ -3144,7 +3204,7 @@
           <a:p>
             <a:fld id="{63615552-887B-45F6-B150-B606B592F51E}" type="datetimeFigureOut">
               <a:rPr lang="it-IT" smtClean="0"/>
-              <a:t>10/11/2019</a:t>
+              <a:t>11/11/2019</a:t>
             </a:fld>
             <a:endParaRPr lang="it-IT"/>
           </a:p>
@@ -3457,7 +3517,7 @@
           <a:p>
             <a:fld id="{63615552-887B-45F6-B150-B606B592F51E}" type="datetimeFigureOut">
               <a:rPr lang="it-IT" smtClean="0"/>
-              <a:t>10/11/2019</a:t>
+              <a:t>11/11/2019</a:t>
             </a:fld>
             <a:endParaRPr lang="it-IT"/>
           </a:p>
@@ -3746,7 +3806,7 @@
           <a:p>
             <a:fld id="{63615552-887B-45F6-B150-B606B592F51E}" type="datetimeFigureOut">
               <a:rPr lang="it-IT" smtClean="0"/>
-              <a:t>10/11/2019</a:t>
+              <a:t>11/11/2019</a:t>
             </a:fld>
             <a:endParaRPr lang="it-IT"/>
           </a:p>
@@ -3989,7 +4049,7 @@
           <a:p>
             <a:fld id="{63615552-887B-45F6-B150-B606B592F51E}" type="datetimeFigureOut">
               <a:rPr lang="it-IT" smtClean="0"/>
-              <a:t>10/11/2019</a:t>
+              <a:t>11/11/2019</a:t>
             </a:fld>
             <a:endParaRPr lang="it-IT"/>
           </a:p>
